--- a/Test-Godot-10.01.26/neues-spiel/Abschlusspräsentation.pptx
+++ b/Test-Godot-10.01.26/neues-spiel/Abschlusspräsentation.pptx
@@ -4460,6 +4460,14 @@
 <file path=ppt/slides/slide5.xml><?xml version="1.0" encoding="utf-8"?>
 <p:sld xmlns:a="http://schemas.openxmlformats.org/drawingml/2006/main" xmlns:r="http://schemas.openxmlformats.org/officeDocument/2006/relationships" xmlns:p="http://schemas.openxmlformats.org/presentationml/2006/main">
   <p:cSld>
+    <p:bg>
+      <p:bgPr>
+        <a:solidFill>
+          <a:schemeClr val="bg1"/>
+        </a:solidFill>
+        <a:effectLst/>
+      </p:bgPr>
+    </p:bg>
     <p:spTree>
       <p:nvGrpSpPr>
         <p:cNvPr id="1" name=""/>
@@ -4474,6 +4482,82 @@
           <a:chExt cx="0" cy="0"/>
         </a:xfrm>
       </p:grpSpPr>
+      <p:sp useBgFill="1">
+        <p:nvSpPr>
+          <p:cNvPr id="12" name="Rectangle 11">
+            <a:extLst>
+              <a:ext uri="{FF2B5EF4-FFF2-40B4-BE49-F238E27FC236}">
+                <a16:creationId xmlns:a16="http://schemas.microsoft.com/office/drawing/2014/main" id="{E49D7415-2F11-44C2-B6AA-13A25B6814B9}"/>
+              </a:ext>
+              <a:ext uri="{C183D7F6-B498-43B3-948B-1728B52AA6E4}">
+                <adec:decorative xmlns:adec="http://schemas.microsoft.com/office/drawing/2017/decorative" val="1"/>
+              </a:ext>
+            </a:extLst>
+          </p:cNvPr>
+          <p:cNvSpPr>
+            <a:spLocks noGrp="1" noRot="1" noChangeAspect="1" noMove="1" noResize="1" noEditPoints="1" noAdjustHandles="1" noChangeArrowheads="1" noChangeShapeType="1" noTextEdit="1"/>
+          </p:cNvSpPr>
+          <p:nvPr>
+            <p:extLst>
+              <p:ext uri="{386F3935-93C4-4BCD-93E2-E3B085C9AB24}">
+                <p16:designElem xmlns:p16="http://schemas.microsoft.com/office/powerpoint/2015/main" val="1"/>
+              </p:ext>
+            </p:extLst>
+          </p:nvPr>
+        </p:nvSpPr>
+        <p:spPr>
+          <a:xfrm>
+            <a:off x="0" y="0"/>
+            <a:ext cx="12192000" cy="6858000"/>
+          </a:xfrm>
+          <a:prstGeom prst="rect">
+            <a:avLst/>
+          </a:prstGeom>
+          <a:ln w="12700" cap="flat" cmpd="sng" algn="ctr">
+            <a:noFill/>
+            <a:prstDash val="solid"/>
+            <a:miter lim="800000"/>
+          </a:ln>
+          <a:effectLst/>
+          <a:extLst>
+            <a:ext uri="{91240B29-F687-4F45-9708-019B960494DF}">
+              <a14:hiddenLine xmlns:a14="http://schemas.microsoft.com/office/drawing/2010/main" w="12700" cap="flat" cmpd="sng" algn="ctr">
+                <a:solidFill>
+                  <a:schemeClr val="accent1">
+                    <a:shade val="50000"/>
+                  </a:schemeClr>
+                </a:solidFill>
+                <a:prstDash val="solid"/>
+                <a:miter lim="800000"/>
+              </a14:hiddenLine>
+            </a:ext>
+          </a:extLst>
+        </p:spPr>
+        <p:style>
+          <a:lnRef idx="2">
+            <a:schemeClr val="accent1">
+              <a:shade val="50000"/>
+            </a:schemeClr>
+          </a:lnRef>
+          <a:fillRef idx="1">
+            <a:schemeClr val="accent1"/>
+          </a:fillRef>
+          <a:effectRef idx="0">
+            <a:schemeClr val="accent1"/>
+          </a:effectRef>
+          <a:fontRef idx="minor">
+            <a:schemeClr val="lt1"/>
+          </a:fontRef>
+        </p:style>
+        <p:txBody>
+          <a:bodyPr rtlCol="0" anchor="ctr"/>
+          <a:lstStyle/>
+          <a:p>
+            <a:pPr algn="ctr"/>
+            <a:endParaRPr lang="en-US"/>
+          </a:p>
+        </p:txBody>
+      </p:sp>
       <p:sp>
         <p:nvSpPr>
           <p:cNvPr id="2" name="Titel 1">
@@ -4490,9 +4574,16 @@
             <p:ph type="title"/>
           </p:nvPr>
         </p:nvSpPr>
-        <p:spPr/>
-        <p:txBody>
-          <a:bodyPr/>
+        <p:spPr>
+          <a:xfrm>
+            <a:off x="704088" y="914400"/>
+            <a:ext cx="6001512" cy="1307592"/>
+          </a:xfrm>
+        </p:spPr>
+        <p:txBody>
+          <a:bodyPr>
+            <a:normAutofit/>
+          </a:bodyPr>
           <a:lstStyle/>
           <a:p>
             <a:r>
@@ -4502,6 +4593,58 @@
           </a:p>
         </p:txBody>
       </p:sp>
+      <p:cxnSp>
+        <p:nvCxnSpPr>
+          <p:cNvPr id="14" name="Straight Connector 13">
+            <a:extLst>
+              <a:ext uri="{FF2B5EF4-FFF2-40B4-BE49-F238E27FC236}">
+                <a16:creationId xmlns:a16="http://schemas.microsoft.com/office/drawing/2014/main" id="{4583FD9E-C5A7-96F7-951D-7D292013CD58}"/>
+              </a:ext>
+              <a:ext uri="{C183D7F6-B498-43B3-948B-1728B52AA6E4}">
+                <adec:decorative xmlns:adec="http://schemas.microsoft.com/office/drawing/2017/decorative" val="1"/>
+              </a:ext>
+            </a:extLst>
+          </p:cNvPr>
+          <p:cNvCxnSpPr>
+            <a:cxnSpLocks noGrp="1" noRot="1" noChangeAspect="1" noMove="1" noResize="1" noEditPoints="1" noAdjustHandles="1" noChangeArrowheads="1" noChangeShapeType="1"/>
+          </p:cNvCxnSpPr>
+          <p:nvPr>
+            <p:extLst>
+              <p:ext uri="{386F3935-93C4-4BCD-93E2-E3B085C9AB24}">
+                <p16:designElem xmlns:p16="http://schemas.microsoft.com/office/powerpoint/2015/main" val="1"/>
+              </p:ext>
+            </p:extLst>
+          </p:nvPr>
+        </p:nvCxnSpPr>
+        <p:spPr>
+          <a:xfrm>
+            <a:off x="804672" y="722376"/>
+            <a:ext cx="1638300" cy="0"/>
+          </a:xfrm>
+          <a:prstGeom prst="line">
+            <a:avLst/>
+          </a:prstGeom>
+          <a:ln w="44450">
+            <a:solidFill>
+              <a:schemeClr val="tx1"/>
+            </a:solidFill>
+          </a:ln>
+        </p:spPr>
+        <p:style>
+          <a:lnRef idx="1">
+            <a:schemeClr val="accent1"/>
+          </a:lnRef>
+          <a:fillRef idx="0">
+            <a:schemeClr val="accent1"/>
+          </a:fillRef>
+          <a:effectRef idx="0">
+            <a:schemeClr val="accent1"/>
+          </a:effectRef>
+          <a:fontRef idx="minor">
+            <a:schemeClr val="tx1"/>
+          </a:fontRef>
+        </p:style>
+      </p:cxnSp>
       <p:sp>
         <p:nvSpPr>
           <p:cNvPr id="3" name="Inhaltsplatzhalter 2">
@@ -4518,9 +4661,16 @@
             <p:ph idx="1"/>
           </p:nvPr>
         </p:nvSpPr>
-        <p:spPr/>
-        <p:txBody>
-          <a:bodyPr/>
+        <p:spPr>
+          <a:xfrm>
+            <a:off x="704088" y="2231136"/>
+            <a:ext cx="6001512" cy="3931920"/>
+          </a:xfrm>
+        </p:spPr>
+        <p:txBody>
+          <a:bodyPr>
+            <a:normAutofit/>
+          </a:bodyPr>
           <a:lstStyle/>
           <a:p>
             <a:pPr>
@@ -4618,6 +4768,36 @@
           </a:p>
         </p:txBody>
       </p:sp>
+      <p:pic>
+        <p:nvPicPr>
+          <p:cNvPr id="7" name="Grafik 6" descr="Ein Bild, das Text, Screenshot, Schrift, Diagramm enthält.&#10;&#10;KI-generierte Inhalte können fehlerhaft sein.">
+            <a:extLst>
+              <a:ext uri="{FF2B5EF4-FFF2-40B4-BE49-F238E27FC236}">
+                <a16:creationId xmlns:a16="http://schemas.microsoft.com/office/drawing/2014/main" id="{972D71A1-F51C-6EF5-0816-ECBBE6EFB017}"/>
+              </a:ext>
+            </a:extLst>
+          </p:cNvPr>
+          <p:cNvPicPr>
+            <a:picLocks noChangeAspect="1"/>
+          </p:cNvPicPr>
+          <p:nvPr/>
+        </p:nvPicPr>
+        <p:blipFill>
+          <a:blip r:embed="rId2"/>
+          <a:stretch>
+            <a:fillRect/>
+          </a:stretch>
+        </p:blipFill>
+        <p:spPr>
+          <a:xfrm>
+            <a:off x="7274560" y="923558"/>
+            <a:ext cx="4202057" cy="5230354"/>
+          </a:xfrm>
+          <a:prstGeom prst="rect">
+            <a:avLst/>
+          </a:prstGeom>
+        </p:spPr>
+      </p:pic>
     </p:spTree>
     <p:extLst>
       <p:ext uri="{BB962C8B-B14F-4D97-AF65-F5344CB8AC3E}">
@@ -5108,7 +5288,7 @@
             </a:r>
             <a:r>
               <a:rPr lang="de-DE" dirty="0" err="1"/>
-              <a:t>broadcasten</a:t>
+              <a:t>broad</a:t>
             </a:r>
             <a:endParaRPr lang="de-DE" dirty="0"/>
           </a:p>

--- a/Test-Godot-10.01.26/neues-spiel/Abschlusspräsentation.pptx
+++ b/Test-Godot-10.01.26/neues-spiel/Abschlusspräsentation.pptx
@@ -13,8 +13,9 @@
     <p:sldId id="261" r:id="rId7"/>
     <p:sldId id="262" r:id="rId8"/>
     <p:sldId id="263" r:id="rId9"/>
-    <p:sldId id="264" r:id="rId10"/>
-    <p:sldId id="265" r:id="rId11"/>
+    <p:sldId id="266" r:id="rId10"/>
+    <p:sldId id="264" r:id="rId11"/>
+    <p:sldId id="265" r:id="rId12"/>
   </p:sldIdLst>
   <p:sldSz cx="12192000" cy="6858000"/>
   <p:notesSz cx="6858000" cy="9144000"/>
@@ -126,6 +127,7 @@
             <p14:sldId id="261"/>
             <p14:sldId id="262"/>
             <p14:sldId id="263"/>
+            <p14:sldId id="266"/>
             <p14:sldId id="264"/>
             <p14:sldId id="265"/>
           </p14:sldIdLst>
@@ -134,6 +136,9 @@
           <p14:sldIdLst/>
         </p14:section>
       </p14:sectionLst>
+    </p:ext>
+    <p:ext uri="{EFAFB233-063F-42B5-8137-9DF3F51BA10A}">
+      <p15:sldGuideLst xmlns:p15="http://schemas.microsoft.com/office/powerpoint/2012/main"/>
     </p:ext>
   </p:extLst>
 </p:presentation>
@@ -292,7 +297,7 @@
           <a:p>
             <a:fld id="{D1D1EADE-8E88-4C7C-8AC5-FB148DE4940E}" type="datetime1">
               <a:rPr lang="en-US" smtClean="0"/>
-              <a:t>1/16/26</a:t>
+              <a:t>1/18/2026</a:t>
             </a:fld>
             <a:endParaRPr lang="en-US"/>
           </a:p>
@@ -492,7 +497,7 @@
           <a:p>
             <a:fld id="{EC3C8B9C-477D-492A-96AD-1FC2CC997A73}" type="datetime1">
               <a:rPr lang="en-US" smtClean="0"/>
-              <a:t>1/16/26</a:t>
+              <a:t>1/18/2026</a:t>
             </a:fld>
             <a:endParaRPr lang="en-US"/>
           </a:p>
@@ -702,7 +707,7 @@
           <a:p>
             <a:fld id="{42D3AED5-E26D-4E29-B1B3-7847B6779594}" type="datetime1">
               <a:rPr lang="en-US" smtClean="0"/>
-              <a:t>1/16/26</a:t>
+              <a:t>1/18/2026</a:t>
             </a:fld>
             <a:endParaRPr lang="en-US"/>
           </a:p>
@@ -902,7 +907,7 @@
           <a:p>
             <a:fld id="{157B6794-849E-4626-908B-D15793550EFB}" type="datetime1">
               <a:rPr lang="en-US" smtClean="0"/>
-              <a:t>1/16/26</a:t>
+              <a:t>1/18/2026</a:t>
             </a:fld>
             <a:endParaRPr lang="en-US"/>
           </a:p>
@@ -1178,7 +1183,7 @@
           <a:p>
             <a:fld id="{63DB64E7-5594-42A3-ADBF-E95A7ACEAD64}" type="datetime1">
               <a:rPr lang="en-US" smtClean="0"/>
-              <a:t>1/16/26</a:t>
+              <a:t>1/18/2026</a:t>
             </a:fld>
             <a:endParaRPr lang="en-US"/>
           </a:p>
@@ -1451,7 +1456,7 @@
           <a:p>
             <a:fld id="{18462B0B-D248-4FFB-8695-AD7FA4B1284A}" type="datetime1">
               <a:rPr lang="en-US" smtClean="0"/>
-              <a:t>1/16/26</a:t>
+              <a:t>1/18/2026</a:t>
             </a:fld>
             <a:endParaRPr lang="en-US"/>
           </a:p>
@@ -1874,7 +1879,7 @@
           <a:p>
             <a:fld id="{D0378EFB-9159-4510-B73F-4F0409ADE937}" type="datetime1">
               <a:rPr lang="en-US" smtClean="0"/>
-              <a:t>1/16/26</a:t>
+              <a:t>1/18/2026</a:t>
             </a:fld>
             <a:endParaRPr lang="en-US"/>
           </a:p>
@@ -2016,7 +2021,7 @@
           <a:p>
             <a:fld id="{89BC9412-2452-4BED-A324-9D8C115361AD}" type="datetime1">
               <a:rPr lang="en-US" smtClean="0"/>
-              <a:t>1/16/26</a:t>
+              <a:t>1/18/2026</a:t>
             </a:fld>
             <a:endParaRPr lang="en-US"/>
           </a:p>
@@ -2129,7 +2134,7 @@
           <a:p>
             <a:fld id="{F5318F62-D251-40E8-A23C-F4CFE9FEAB41}" type="datetime1">
               <a:rPr lang="en-US" smtClean="0"/>
-              <a:t>1/16/26</a:t>
+              <a:t>1/18/2026</a:t>
             </a:fld>
             <a:endParaRPr lang="en-US"/>
           </a:p>
@@ -2442,7 +2447,7 @@
           <a:p>
             <a:fld id="{44F76144-149E-4874-93A5-554A0357CF82}" type="datetime1">
               <a:rPr lang="en-US" smtClean="0"/>
-              <a:t>1/16/26</a:t>
+              <a:t>1/18/2026</a:t>
             </a:fld>
             <a:endParaRPr lang="en-US"/>
           </a:p>
@@ -2735,7 +2740,7 @@
           <a:p>
             <a:fld id="{50BA65D8-0540-4835-AE5C-25D29DBA01BE}" type="datetime1">
               <a:rPr lang="en-US" smtClean="0"/>
-              <a:t>1/16/26</a:t>
+              <a:t>1/18/2026</a:t>
             </a:fld>
             <a:endParaRPr lang="en-US"/>
           </a:p>
@@ -2977,7 +2982,7 @@
           <a:p>
             <a:fld id="{E31BA835-12AC-4E8F-955A-EA3F4DE2791F}" type="datetime1">
               <a:rPr lang="en-US" smtClean="0"/>
-              <a:t>1/16/26</a:t>
+              <a:t>1/18/2026</a:t>
             </a:fld>
             <a:endParaRPr lang="en-US"/>
           </a:p>
@@ -3828,6 +3833,159 @@
           <p:cNvPr id="2" name="Titel 1">
             <a:extLst>
               <a:ext uri="{FF2B5EF4-FFF2-40B4-BE49-F238E27FC236}">
+                <a16:creationId xmlns:a16="http://schemas.microsoft.com/office/drawing/2014/main" id="{8A1918F9-4E51-DE17-9C08-7AA674A62BC2}"/>
+              </a:ext>
+            </a:extLst>
+          </p:cNvPr>
+          <p:cNvSpPr>
+            <a:spLocks noGrp="1"/>
+          </p:cNvSpPr>
+          <p:nvPr>
+            <p:ph type="title"/>
+          </p:nvPr>
+        </p:nvSpPr>
+        <p:spPr/>
+        <p:txBody>
+          <a:bodyPr/>
+          <a:lstStyle/>
+          <a:p>
+            <a:r>
+              <a:rPr lang="de-DE" dirty="0"/>
+              <a:t>Technische Herausforderungen</a:t>
+            </a:r>
+          </a:p>
+        </p:txBody>
+      </p:sp>
+      <p:sp>
+        <p:nvSpPr>
+          <p:cNvPr id="3" name="Inhaltsplatzhalter 2">
+            <a:extLst>
+              <a:ext uri="{FF2B5EF4-FFF2-40B4-BE49-F238E27FC236}">
+                <a16:creationId xmlns:a16="http://schemas.microsoft.com/office/drawing/2014/main" id="{546FDB1F-6BDB-EE2F-75E7-AED5EDB6ABCB}"/>
+              </a:ext>
+            </a:extLst>
+          </p:cNvPr>
+          <p:cNvSpPr>
+            <a:spLocks noGrp="1"/>
+          </p:cNvSpPr>
+          <p:nvPr>
+            <p:ph idx="1"/>
+          </p:nvPr>
+        </p:nvSpPr>
+        <p:spPr/>
+        <p:txBody>
+          <a:bodyPr/>
+          <a:lstStyle/>
+          <a:p>
+            <a:pPr>
+              <a:buFont typeface="Courier New" panose="02070309020205020404" pitchFamily="49" charset="0"/>
+              <a:buChar char="o"/>
+            </a:pPr>
+            <a:r>
+              <a:rPr lang="de-DE" dirty="0"/>
+              <a:t>Probleme während der Entwicklung:</a:t>
+            </a:r>
+          </a:p>
+          <a:p>
+            <a:pPr lvl="1">
+              <a:buFont typeface="Symbol" pitchFamily="2" charset="2"/>
+              <a:buChar char="-"/>
+            </a:pPr>
+            <a:r>
+              <a:rPr lang="de-DE" dirty="0" err="1"/>
+              <a:t>Enet</a:t>
+            </a:r>
+            <a:r>
+              <a:rPr lang="de-DE" dirty="0"/>
+              <a:t> vs. </a:t>
+            </a:r>
+            <a:r>
+              <a:rPr lang="de-DE" dirty="0" err="1"/>
+              <a:t>WebSocket</a:t>
+            </a:r>
+            <a:endParaRPr lang="de-DE" dirty="0"/>
+          </a:p>
+          <a:p>
+            <a:pPr lvl="1">
+              <a:buFont typeface="Symbol" pitchFamily="2" charset="2"/>
+              <a:buChar char="-"/>
+            </a:pPr>
+            <a:r>
+              <a:rPr lang="de-DE" dirty="0" err="1"/>
+              <a:t>Headless</a:t>
+            </a:r>
+            <a:r>
+              <a:rPr lang="de-DE" dirty="0"/>
+              <a:t>-Server-starten</a:t>
+            </a:r>
+          </a:p>
+          <a:p>
+            <a:pPr lvl="1">
+              <a:buFont typeface="Symbol" pitchFamily="2" charset="2"/>
+              <a:buChar char="-"/>
+            </a:pPr>
+            <a:r>
+              <a:rPr lang="de-DE" dirty="0"/>
+              <a:t>RPC-Synchronisation</a:t>
+            </a:r>
+          </a:p>
+          <a:p>
+            <a:pPr lvl="1">
+              <a:buFont typeface="Symbol" pitchFamily="2" charset="2"/>
+              <a:buChar char="-"/>
+            </a:pPr>
+            <a:r>
+              <a:rPr lang="de-DE" dirty="0"/>
+              <a:t>Ressourcenpfade im Server</a:t>
+            </a:r>
+          </a:p>
+          <a:p>
+            <a:pPr lvl="1">
+              <a:buFont typeface="Symbol" pitchFamily="2" charset="2"/>
+              <a:buChar char="-"/>
+            </a:pPr>
+            <a:r>
+              <a:rPr lang="de-DE" dirty="0"/>
+              <a:t>Client/Server-Trennung</a:t>
+            </a:r>
+          </a:p>
+        </p:txBody>
+      </p:sp>
+    </p:spTree>
+    <p:extLst>
+      <p:ext uri="{BB962C8B-B14F-4D97-AF65-F5344CB8AC3E}">
+        <p14:creationId xmlns:p14="http://schemas.microsoft.com/office/powerpoint/2010/main" val="2230551247"/>
+      </p:ext>
+    </p:extLst>
+  </p:cSld>
+  <p:clrMapOvr>
+    <a:masterClrMapping/>
+  </p:clrMapOvr>
+</p:sld>
+</file>
+
+<file path=ppt/slides/slide11.xml><?xml version="1.0" encoding="utf-8"?>
+<p:sld xmlns:a="http://schemas.openxmlformats.org/drawingml/2006/main" xmlns:r="http://schemas.openxmlformats.org/officeDocument/2006/relationships" xmlns:p="http://schemas.openxmlformats.org/presentationml/2006/main">
+  <p:cSld>
+    <p:spTree>
+      <p:nvGrpSpPr>
+        <p:cNvPr id="1" name=""/>
+        <p:cNvGrpSpPr/>
+        <p:nvPr/>
+      </p:nvGrpSpPr>
+      <p:grpSpPr>
+        <a:xfrm>
+          <a:off x="0" y="0"/>
+          <a:ext cx="0" cy="0"/>
+          <a:chOff x="0" y="0"/>
+          <a:chExt cx="0" cy="0"/>
+        </a:xfrm>
+      </p:grpSpPr>
+      <p:sp>
+        <p:nvSpPr>
+          <p:cNvPr id="2" name="Titel 1">
+            <a:extLst>
+              <a:ext uri="{FF2B5EF4-FFF2-40B4-BE49-F238E27FC236}">
                 <a16:creationId xmlns:a16="http://schemas.microsoft.com/office/drawing/2014/main" id="{49E211D4-9DC4-CB8F-C61E-060EA20A7D51}"/>
               </a:ext>
             </a:extLst>
@@ -5329,7 +5487,7 @@
           <p:cNvPr id="2" name="Titel 1">
             <a:extLst>
               <a:ext uri="{FF2B5EF4-FFF2-40B4-BE49-F238E27FC236}">
-                <a16:creationId xmlns:a16="http://schemas.microsoft.com/office/drawing/2014/main" id="{8A1918F9-4E51-DE17-9C08-7AA674A62BC2}"/>
+                <a16:creationId xmlns:a16="http://schemas.microsoft.com/office/drawing/2014/main" id="{B9E1A288-FDA8-4662-345F-BF4B1D7B3851}"/>
               </a:ext>
             </a:extLst>
           </p:cNvPr>
@@ -5347,7 +5505,7 @@
           <a:p>
             <a:r>
               <a:rPr lang="de-DE" dirty="0"/>
-              <a:t>Technische Herausforderungen</a:t>
+              <a:t>Spiellogik</a:t>
             </a:r>
           </a:p>
         </p:txBody>
@@ -5357,7 +5515,7 @@
           <p:cNvPr id="3" name="Inhaltsplatzhalter 2">
             <a:extLst>
               <a:ext uri="{FF2B5EF4-FFF2-40B4-BE49-F238E27FC236}">
-                <a16:creationId xmlns:a16="http://schemas.microsoft.com/office/drawing/2014/main" id="{546FDB1F-6BDB-EE2F-75E7-AED5EDB6ABCB}"/>
+                <a16:creationId xmlns:a16="http://schemas.microsoft.com/office/drawing/2014/main" id="{5DFA1542-598D-4141-E519-ACFE1054E0E0}"/>
               </a:ext>
             </a:extLst>
           </p:cNvPr>
@@ -5373,84 +5531,40 @@
           <a:bodyPr/>
           <a:lstStyle/>
           <a:p>
-            <a:pPr>
-              <a:buFont typeface="Courier New" panose="02070309020205020404" pitchFamily="49" charset="0"/>
-              <a:buChar char="o"/>
-            </a:pPr>
-            <a:r>
-              <a:rPr lang="de-DE" dirty="0"/>
-              <a:t>Probleme während der Entwicklung:</a:t>
-            </a:r>
-          </a:p>
-          <a:p>
-            <a:pPr lvl="1">
-              <a:buFont typeface="Symbol" pitchFamily="2" charset="2"/>
-              <a:buChar char="-"/>
-            </a:pPr>
+            <a:r>
+              <a:rPr lang="de-DE" dirty="0"/>
+              <a:t>Wörter schreiben mit der gegebenen Silbe</a:t>
+            </a:r>
+          </a:p>
+          <a:p>
             <a:r>
               <a:rPr lang="de-DE" dirty="0" err="1"/>
-              <a:t>Enet</a:t>
-            </a:r>
-            <a:r>
-              <a:rPr lang="de-DE" dirty="0"/>
-              <a:t> vs. </a:t>
-            </a:r>
+              <a:t>Turned-based</a:t>
+            </a:r>
+            <a:endParaRPr lang="de-DE" dirty="0"/>
+          </a:p>
+          <a:p>
             <a:r>
               <a:rPr lang="de-DE" dirty="0" err="1"/>
-              <a:t>WebSocket</a:t>
+              <a:t>Timer</a:t>
             </a:r>
             <a:endParaRPr lang="de-DE" dirty="0"/>
           </a:p>
           <a:p>
-            <a:pPr lvl="1">
-              <a:buFont typeface="Symbol" pitchFamily="2" charset="2"/>
-              <a:buChar char="-"/>
-            </a:pPr>
-            <a:r>
-              <a:rPr lang="de-DE" dirty="0" err="1"/>
-              <a:t>Headless</a:t>
-            </a:r>
-            <a:r>
-              <a:rPr lang="de-DE" dirty="0"/>
-              <a:t>-Server-starten</a:t>
-            </a:r>
-          </a:p>
-          <a:p>
-            <a:pPr lvl="1">
-              <a:buFont typeface="Symbol" pitchFamily="2" charset="2"/>
-              <a:buChar char="-"/>
-            </a:pPr>
-            <a:r>
-              <a:rPr lang="de-DE" dirty="0"/>
-              <a:t>RPC-Synchronisation</a:t>
-            </a:r>
-          </a:p>
-          <a:p>
-            <a:pPr lvl="1">
-              <a:buFont typeface="Symbol" pitchFamily="2" charset="2"/>
-              <a:buChar char="-"/>
-            </a:pPr>
-            <a:r>
-              <a:rPr lang="de-DE" dirty="0"/>
-              <a:t>Ressourcenpfade im Server</a:t>
-            </a:r>
-          </a:p>
-          <a:p>
-            <a:pPr lvl="1">
-              <a:buFont typeface="Symbol" pitchFamily="2" charset="2"/>
-              <a:buChar char="-"/>
-            </a:pPr>
-            <a:r>
-              <a:rPr lang="de-DE" dirty="0"/>
-              <a:t>Client/Server-Trennung</a:t>
-            </a:r>
+            <a:r>
+              <a:rPr lang="de-DE" dirty="0"/>
+              <a:t>Gewinner wird durch Punktzahl festgestellt</a:t>
+            </a:r>
+          </a:p>
+          <a:p>
+            <a:endParaRPr lang="de-DE" dirty="0"/>
           </a:p>
         </p:txBody>
       </p:sp>
     </p:spTree>
     <p:extLst>
       <p:ext uri="{BB962C8B-B14F-4D97-AF65-F5344CB8AC3E}">
-        <p14:creationId xmlns:p14="http://schemas.microsoft.com/office/powerpoint/2010/main" val="2230551247"/>
+        <p14:creationId xmlns:p14="http://schemas.microsoft.com/office/powerpoint/2010/main" val="2981057978"/>
       </p:ext>
     </p:extLst>
   </p:cSld>

--- a/Test-Godot-10.01.26/neues-spiel/Abschlusspräsentation.pptx
+++ b/Test-Godot-10.01.26/neues-spiel/Abschlusspräsentation.pptx
@@ -9,11 +9,11 @@
     <p:sldId id="257" r:id="rId3"/>
     <p:sldId id="258" r:id="rId4"/>
     <p:sldId id="259" r:id="rId5"/>
-    <p:sldId id="260" r:id="rId6"/>
-    <p:sldId id="261" r:id="rId7"/>
-    <p:sldId id="262" r:id="rId8"/>
-    <p:sldId id="263" r:id="rId9"/>
-    <p:sldId id="266" r:id="rId10"/>
+    <p:sldId id="266" r:id="rId6"/>
+    <p:sldId id="260" r:id="rId7"/>
+    <p:sldId id="261" r:id="rId8"/>
+    <p:sldId id="262" r:id="rId9"/>
+    <p:sldId id="263" r:id="rId10"/>
     <p:sldId id="264" r:id="rId11"/>
     <p:sldId id="265" r:id="rId12"/>
   </p:sldIdLst>
@@ -123,11 +123,11 @@
             <p14:sldId id="257"/>
             <p14:sldId id="258"/>
             <p14:sldId id="259"/>
+            <p14:sldId id="266"/>
             <p14:sldId id="260"/>
             <p14:sldId id="261"/>
             <p14:sldId id="262"/>
             <p14:sldId id="263"/>
-            <p14:sldId id="266"/>
             <p14:sldId id="264"/>
             <p14:sldId id="265"/>
           </p14:sldIdLst>
@@ -4081,13 +4081,18 @@
             </a:pPr>
             <a:r>
               <a:rPr lang="de-DE" dirty="0"/>
-              <a:t>Trennung von </a:t>
-            </a:r>
-            <a:r>
-              <a:rPr lang="de-DE" dirty="0" err="1"/>
-              <a:t>Zustädnigkeiten</a:t>
-            </a:r>
-            <a:endParaRPr lang="de-DE" dirty="0"/>
+              <a:t>Trennung von Zuständigkeiten</a:t>
+            </a:r>
+          </a:p>
+          <a:p>
+            <a:pPr lvl="1">
+              <a:buFont typeface="Symbol" pitchFamily="2" charset="2"/>
+              <a:buChar char="-"/>
+            </a:pPr>
+            <a:r>
+              <a:rPr lang="de-DE" dirty="0"/>
+              <a:t>UI Godot Elemente</a:t>
+            </a:r>
           </a:p>
         </p:txBody>
       </p:sp>
@@ -4616,6 +4621,115 @@
 </file>
 
 <file path=ppt/slides/slide5.xml><?xml version="1.0" encoding="utf-8"?>
+<p:sld xmlns:a="http://schemas.openxmlformats.org/drawingml/2006/main" xmlns:r="http://schemas.openxmlformats.org/officeDocument/2006/relationships" xmlns:p="http://schemas.openxmlformats.org/presentationml/2006/main">
+  <p:cSld>
+    <p:spTree>
+      <p:nvGrpSpPr>
+        <p:cNvPr id="1" name=""/>
+        <p:cNvGrpSpPr/>
+        <p:nvPr/>
+      </p:nvGrpSpPr>
+      <p:grpSpPr>
+        <a:xfrm>
+          <a:off x="0" y="0"/>
+          <a:ext cx="0" cy="0"/>
+          <a:chOff x="0" y="0"/>
+          <a:chExt cx="0" cy="0"/>
+        </a:xfrm>
+      </p:grpSpPr>
+      <p:sp>
+        <p:nvSpPr>
+          <p:cNvPr id="2" name="Titel 1">
+            <a:extLst>
+              <a:ext uri="{FF2B5EF4-FFF2-40B4-BE49-F238E27FC236}">
+                <a16:creationId xmlns:a16="http://schemas.microsoft.com/office/drawing/2014/main" id="{B9E1A288-FDA8-4662-345F-BF4B1D7B3851}"/>
+              </a:ext>
+            </a:extLst>
+          </p:cNvPr>
+          <p:cNvSpPr>
+            <a:spLocks noGrp="1"/>
+          </p:cNvSpPr>
+          <p:nvPr>
+            <p:ph type="title"/>
+          </p:nvPr>
+        </p:nvSpPr>
+        <p:spPr/>
+        <p:txBody>
+          <a:bodyPr/>
+          <a:lstStyle/>
+          <a:p>
+            <a:r>
+              <a:rPr lang="de-DE" dirty="0"/>
+              <a:t>Spiellogik</a:t>
+            </a:r>
+          </a:p>
+        </p:txBody>
+      </p:sp>
+      <p:sp>
+        <p:nvSpPr>
+          <p:cNvPr id="3" name="Inhaltsplatzhalter 2">
+            <a:extLst>
+              <a:ext uri="{FF2B5EF4-FFF2-40B4-BE49-F238E27FC236}">
+                <a16:creationId xmlns:a16="http://schemas.microsoft.com/office/drawing/2014/main" id="{5DFA1542-598D-4141-E519-ACFE1054E0E0}"/>
+              </a:ext>
+            </a:extLst>
+          </p:cNvPr>
+          <p:cNvSpPr>
+            <a:spLocks noGrp="1"/>
+          </p:cNvSpPr>
+          <p:nvPr>
+            <p:ph idx="1"/>
+          </p:nvPr>
+        </p:nvSpPr>
+        <p:spPr/>
+        <p:txBody>
+          <a:bodyPr/>
+          <a:lstStyle/>
+          <a:p>
+            <a:r>
+              <a:rPr lang="de-DE" dirty="0"/>
+              <a:t>Wörter schreiben mit der gegebenen Silbe</a:t>
+            </a:r>
+          </a:p>
+          <a:p>
+            <a:r>
+              <a:rPr lang="de-DE" dirty="0" err="1"/>
+              <a:t>Turned-based</a:t>
+            </a:r>
+            <a:endParaRPr lang="de-DE" dirty="0"/>
+          </a:p>
+          <a:p>
+            <a:r>
+              <a:rPr lang="de-DE" dirty="0" err="1"/>
+              <a:t>Timer</a:t>
+            </a:r>
+            <a:endParaRPr lang="de-DE" dirty="0"/>
+          </a:p>
+          <a:p>
+            <a:r>
+              <a:rPr lang="de-DE" dirty="0"/>
+              <a:t>Gewinner wird durch Punktzahl festgestellt</a:t>
+            </a:r>
+          </a:p>
+          <a:p>
+            <a:endParaRPr lang="de-DE" dirty="0"/>
+          </a:p>
+        </p:txBody>
+      </p:sp>
+    </p:spTree>
+    <p:extLst>
+      <p:ext uri="{BB962C8B-B14F-4D97-AF65-F5344CB8AC3E}">
+        <p14:creationId xmlns:p14="http://schemas.microsoft.com/office/powerpoint/2010/main" val="2981057978"/>
+      </p:ext>
+    </p:extLst>
+  </p:cSld>
+  <p:clrMapOvr>
+    <a:masterClrMapping/>
+  </p:clrMapOvr>
+</p:sld>
+</file>
+
+<file path=ppt/slides/slide6.xml><?xml version="1.0" encoding="utf-8"?>
 <p:sld xmlns:a="http://schemas.openxmlformats.org/drawingml/2006/main" xmlns:r="http://schemas.openxmlformats.org/officeDocument/2006/relationships" xmlns:p="http://schemas.openxmlformats.org/presentationml/2006/main">
   <p:cSld>
     <p:bg>
@@ -4969,178 +5083,6 @@
 </p:sld>
 </file>
 
-<file path=ppt/slides/slide6.xml><?xml version="1.0" encoding="utf-8"?>
-<p:sld xmlns:a="http://schemas.openxmlformats.org/drawingml/2006/main" xmlns:r="http://schemas.openxmlformats.org/officeDocument/2006/relationships" xmlns:p="http://schemas.openxmlformats.org/presentationml/2006/main">
-  <p:cSld>
-    <p:spTree>
-      <p:nvGrpSpPr>
-        <p:cNvPr id="1" name=""/>
-        <p:cNvGrpSpPr/>
-        <p:nvPr/>
-      </p:nvGrpSpPr>
-      <p:grpSpPr>
-        <a:xfrm>
-          <a:off x="0" y="0"/>
-          <a:ext cx="0" cy="0"/>
-          <a:chOff x="0" y="0"/>
-          <a:chExt cx="0" cy="0"/>
-        </a:xfrm>
-      </p:grpSpPr>
-      <p:sp>
-        <p:nvSpPr>
-          <p:cNvPr id="2" name="Titel 1">
-            <a:extLst>
-              <a:ext uri="{FF2B5EF4-FFF2-40B4-BE49-F238E27FC236}">
-                <a16:creationId xmlns:a16="http://schemas.microsoft.com/office/drawing/2014/main" id="{0C15AAA0-725E-CE4F-C8A1-FBF3758FD2E7}"/>
-              </a:ext>
-            </a:extLst>
-          </p:cNvPr>
-          <p:cNvSpPr>
-            <a:spLocks noGrp="1"/>
-          </p:cNvSpPr>
-          <p:nvPr>
-            <p:ph type="title"/>
-          </p:nvPr>
-        </p:nvSpPr>
-        <p:spPr/>
-        <p:txBody>
-          <a:bodyPr/>
-          <a:lstStyle/>
-          <a:p>
-            <a:r>
-              <a:rPr lang="de-DE" dirty="0"/>
-              <a:t>Server Design</a:t>
-            </a:r>
-          </a:p>
-        </p:txBody>
-      </p:sp>
-      <p:sp>
-        <p:nvSpPr>
-          <p:cNvPr id="3" name="Inhaltsplatzhalter 2">
-            <a:extLst>
-              <a:ext uri="{FF2B5EF4-FFF2-40B4-BE49-F238E27FC236}">
-                <a16:creationId xmlns:a16="http://schemas.microsoft.com/office/drawing/2014/main" id="{AD55404B-7540-A81D-210E-11F573A47285}"/>
-              </a:ext>
-            </a:extLst>
-          </p:cNvPr>
-          <p:cNvSpPr>
-            <a:spLocks noGrp="1"/>
-          </p:cNvSpPr>
-          <p:nvPr>
-            <p:ph idx="1"/>
-          </p:nvPr>
-        </p:nvSpPr>
-        <p:spPr/>
-        <p:txBody>
-          <a:bodyPr>
-            <a:normAutofit/>
-          </a:bodyPr>
-          <a:lstStyle/>
-          <a:p>
-            <a:pPr>
-              <a:buFont typeface="Courier New" panose="02070309020205020404" pitchFamily="49" charset="0"/>
-              <a:buChar char="o"/>
-            </a:pPr>
-            <a:r>
-              <a:rPr lang="de-DE" dirty="0"/>
-              <a:t>Server ist autoritativ:</a:t>
-            </a:r>
-          </a:p>
-          <a:p>
-            <a:pPr lvl="1">
-              <a:buFont typeface="Symbol" pitchFamily="2" charset="2"/>
-              <a:buChar char="-"/>
-            </a:pPr>
-            <a:r>
-              <a:rPr lang="de-DE" dirty="0"/>
-              <a:t>Spielzustand liegt nur auf dem Server</a:t>
-            </a:r>
-          </a:p>
-          <a:p>
-            <a:pPr lvl="1">
-              <a:buFont typeface="Symbol" pitchFamily="2" charset="2"/>
-              <a:buChar char="-"/>
-            </a:pPr>
-            <a:r>
-              <a:rPr lang="de-DE" dirty="0"/>
-              <a:t>Server prüft alle Eingaben</a:t>
-            </a:r>
-          </a:p>
-          <a:p>
-            <a:pPr lvl="1">
-              <a:buFont typeface="Symbol" pitchFamily="2" charset="2"/>
-              <a:buChar char="-"/>
-            </a:pPr>
-            <a:r>
-              <a:rPr lang="de-DE" dirty="0"/>
-              <a:t>Server verwaltet Turns</a:t>
-            </a:r>
-          </a:p>
-          <a:p>
-            <a:pPr>
-              <a:buFont typeface="Courier New" panose="02070309020205020404" pitchFamily="49" charset="0"/>
-              <a:buChar char="o"/>
-            </a:pPr>
-            <a:r>
-              <a:rPr lang="de-DE" dirty="0"/>
-              <a:t>Server-Aufgaben:</a:t>
-            </a:r>
-          </a:p>
-          <a:p>
-            <a:pPr lvl="1">
-              <a:buFont typeface="Symbol" pitchFamily="2" charset="2"/>
-              <a:buChar char="-"/>
-            </a:pPr>
-            <a:r>
-              <a:rPr lang="de-DE" dirty="0"/>
-              <a:t>Spielverwaltung</a:t>
-            </a:r>
-          </a:p>
-          <a:p>
-            <a:pPr lvl="1">
-              <a:buFont typeface="Symbol" pitchFamily="2" charset="2"/>
-              <a:buChar char="-"/>
-            </a:pPr>
-            <a:r>
-              <a:rPr lang="de-DE" dirty="0"/>
-              <a:t>Wortvalidierung</a:t>
-            </a:r>
-          </a:p>
-          <a:p>
-            <a:pPr lvl="1">
-              <a:buFont typeface="Symbol" pitchFamily="2" charset="2"/>
-              <a:buChar char="-"/>
-            </a:pPr>
-            <a:r>
-              <a:rPr lang="de-DE" dirty="0"/>
-              <a:t>Turn-Logik</a:t>
-            </a:r>
-          </a:p>
-          <a:p>
-            <a:pPr lvl="1">
-              <a:buFont typeface="Symbol" pitchFamily="2" charset="2"/>
-              <a:buChar char="-"/>
-            </a:pPr>
-            <a:r>
-              <a:rPr lang="de-DE" dirty="0"/>
-              <a:t>State-Synchronisation</a:t>
-            </a:r>
-          </a:p>
-        </p:txBody>
-      </p:sp>
-    </p:spTree>
-    <p:extLst>
-      <p:ext uri="{BB962C8B-B14F-4D97-AF65-F5344CB8AC3E}">
-        <p14:creationId xmlns:p14="http://schemas.microsoft.com/office/powerpoint/2010/main" val="3054217679"/>
-      </p:ext>
-    </p:extLst>
-  </p:cSld>
-  <p:clrMapOvr>
-    <a:masterClrMapping/>
-  </p:clrMapOvr>
-</p:sld>
-</file>
-
 <file path=ppt/slides/slide7.xml><?xml version="1.0" encoding="utf-8"?>
 <p:sld xmlns:a="http://schemas.openxmlformats.org/drawingml/2006/main" xmlns:r="http://schemas.openxmlformats.org/officeDocument/2006/relationships" xmlns:p="http://schemas.openxmlformats.org/presentationml/2006/main">
   <p:cSld>
@@ -5163,7 +5105,7 @@
           <p:cNvPr id="2" name="Titel 1">
             <a:extLst>
               <a:ext uri="{FF2B5EF4-FFF2-40B4-BE49-F238E27FC236}">
-                <a16:creationId xmlns:a16="http://schemas.microsoft.com/office/drawing/2014/main" id="{2FA78A8E-A06D-5C0E-26B8-5CE7CD1DE08A}"/>
+                <a16:creationId xmlns:a16="http://schemas.microsoft.com/office/drawing/2014/main" id="{0C15AAA0-725E-CE4F-C8A1-FBF3758FD2E7}"/>
               </a:ext>
             </a:extLst>
           </p:cNvPr>
@@ -5181,7 +5123,7 @@
           <a:p>
             <a:r>
               <a:rPr lang="de-DE" dirty="0"/>
-              <a:t>Client-Design</a:t>
+              <a:t>Server Design</a:t>
             </a:r>
           </a:p>
         </p:txBody>
@@ -5191,7 +5133,7 @@
           <p:cNvPr id="3" name="Inhaltsplatzhalter 2">
             <a:extLst>
               <a:ext uri="{FF2B5EF4-FFF2-40B4-BE49-F238E27FC236}">
-                <a16:creationId xmlns:a16="http://schemas.microsoft.com/office/drawing/2014/main" id="{EDEC71B7-1F46-89BF-B058-5D05A286294E}"/>
+                <a16:creationId xmlns:a16="http://schemas.microsoft.com/office/drawing/2014/main" id="{AD55404B-7540-A81D-210E-11F573A47285}"/>
               </a:ext>
             </a:extLst>
           </p:cNvPr>
@@ -5204,7 +5146,9 @@
         </p:nvSpPr>
         <p:spPr/>
         <p:txBody>
-          <a:bodyPr/>
+          <a:bodyPr>
+            <a:normAutofit/>
+          </a:bodyPr>
           <a:lstStyle/>
           <a:p>
             <a:pPr>
@@ -5213,7 +5157,7 @@
             </a:pPr>
             <a:r>
               <a:rPr lang="de-DE" dirty="0"/>
-              <a:t>Client-Aufgaben:</a:t>
+              <a:t>Server ist autoritativ:</a:t>
             </a:r>
           </a:p>
           <a:p>
@@ -5223,7 +5167,7 @@
             </a:pPr>
             <a:r>
               <a:rPr lang="de-DE" dirty="0"/>
-              <a:t>Benutzeroberfläche anzeigen</a:t>
+              <a:t>Spielzustand liegt nur auf dem Server</a:t>
             </a:r>
           </a:p>
           <a:p>
@@ -5233,7 +5177,7 @@
             </a:pPr>
             <a:r>
               <a:rPr lang="de-DE" dirty="0"/>
-              <a:t>Eingaben erfassen</a:t>
+              <a:t>Server prüft alle Eingaben</a:t>
             </a:r>
           </a:p>
           <a:p>
@@ -5243,7 +5187,17 @@
             </a:pPr>
             <a:r>
               <a:rPr lang="de-DE" dirty="0"/>
-              <a:t>Anfragen an Server senden</a:t>
+              <a:t>Server verwaltet Turns</a:t>
+            </a:r>
+          </a:p>
+          <a:p>
+            <a:pPr>
+              <a:buFont typeface="Courier New" panose="02070309020205020404" pitchFamily="49" charset="0"/>
+              <a:buChar char="o"/>
+            </a:pPr>
+            <a:r>
+              <a:rPr lang="de-DE" dirty="0"/>
+              <a:t>Server-Aufgaben:</a:t>
             </a:r>
           </a:p>
           <a:p>
@@ -5253,17 +5207,7 @@
             </a:pPr>
             <a:r>
               <a:rPr lang="de-DE" dirty="0"/>
-              <a:t>Serverzustand darstellen</a:t>
-            </a:r>
-          </a:p>
-          <a:p>
-            <a:pPr>
-              <a:buFont typeface="Courier New" panose="02070309020205020404" pitchFamily="49" charset="0"/>
-              <a:buChar char="o"/>
-            </a:pPr>
-            <a:r>
-              <a:rPr lang="de-DE" dirty="0"/>
-              <a:t>Wichtig:</a:t>
+              <a:t>Spielverwaltung</a:t>
             </a:r>
           </a:p>
           <a:p>
@@ -5273,7 +5217,27 @@
             </a:pPr>
             <a:r>
               <a:rPr lang="de-DE" dirty="0"/>
-              <a:t>Client trifft keine Spielentscheidungen</a:t>
+              <a:t>Wortvalidierung</a:t>
+            </a:r>
+          </a:p>
+          <a:p>
+            <a:pPr lvl="1">
+              <a:buFont typeface="Symbol" pitchFamily="2" charset="2"/>
+              <a:buChar char="-"/>
+            </a:pPr>
+            <a:r>
+              <a:rPr lang="de-DE" dirty="0"/>
+              <a:t>Turn-Logik</a:t>
+            </a:r>
+          </a:p>
+          <a:p>
+            <a:pPr lvl="1">
+              <a:buFont typeface="Symbol" pitchFamily="2" charset="2"/>
+              <a:buChar char="-"/>
+            </a:pPr>
+            <a:r>
+              <a:rPr lang="de-DE" dirty="0"/>
+              <a:t>State-Synchronisation</a:t>
             </a:r>
           </a:p>
         </p:txBody>
@@ -5281,7 +5245,7 @@
     </p:spTree>
     <p:extLst>
       <p:ext uri="{BB962C8B-B14F-4D97-AF65-F5344CB8AC3E}">
-        <p14:creationId xmlns:p14="http://schemas.microsoft.com/office/powerpoint/2010/main" val="133744746"/>
+        <p14:creationId xmlns:p14="http://schemas.microsoft.com/office/powerpoint/2010/main" val="3054217679"/>
       </p:ext>
     </p:extLst>
   </p:cSld>
@@ -5313,7 +5277,7 @@
           <p:cNvPr id="2" name="Titel 1">
             <a:extLst>
               <a:ext uri="{FF2B5EF4-FFF2-40B4-BE49-F238E27FC236}">
-                <a16:creationId xmlns:a16="http://schemas.microsoft.com/office/drawing/2014/main" id="{F509CA0E-8B9D-2F92-B1B0-9FA1FA6BF02A}"/>
+                <a16:creationId xmlns:a16="http://schemas.microsoft.com/office/drawing/2014/main" id="{2FA78A8E-A06D-5C0E-26B8-5CE7CD1DE08A}"/>
               </a:ext>
             </a:extLst>
           </p:cNvPr>
@@ -5331,7 +5295,7 @@
           <a:p>
             <a:r>
               <a:rPr lang="de-DE" dirty="0"/>
-              <a:t>Netzwerk &amp; RPCs</a:t>
+              <a:t>Client-Design</a:t>
             </a:r>
           </a:p>
         </p:txBody>
@@ -5341,7 +5305,7 @@
           <p:cNvPr id="3" name="Inhaltsplatzhalter 2">
             <a:extLst>
               <a:ext uri="{FF2B5EF4-FFF2-40B4-BE49-F238E27FC236}">
-                <a16:creationId xmlns:a16="http://schemas.microsoft.com/office/drawing/2014/main" id="{EFBDE3A9-C0BA-8CDF-9031-51E2FE6338A8}"/>
+                <a16:creationId xmlns:a16="http://schemas.microsoft.com/office/drawing/2014/main" id="{EDEC71B7-1F46-89BF-B058-5D05A286294E}"/>
               </a:ext>
             </a:extLst>
           </p:cNvPr>
@@ -5356,15 +5320,6 @@
         <p:txBody>
           <a:bodyPr/>
           <a:lstStyle/>
-          <a:p>
-            <a:pPr marL="0" indent="0">
-              <a:buNone/>
-            </a:pPr>
-            <a:r>
-              <a:rPr lang="de-DE" dirty="0"/>
-              <a:t>Kommunikation über RPCs:</a:t>
-            </a:r>
-          </a:p>
           <a:p>
             <a:pPr>
               <a:buFont typeface="Courier New" panose="02070309020205020404" pitchFamily="49" charset="0"/>
@@ -5372,7 +5327,7 @@
             </a:pPr>
             <a:r>
               <a:rPr lang="de-DE" dirty="0"/>
-              <a:t>Client -&gt; Server:</a:t>
+              <a:t>Client-Aufgaben:</a:t>
             </a:r>
           </a:p>
           <a:p>
@@ -5382,7 +5337,7 @@
             </a:pPr>
             <a:r>
               <a:rPr lang="de-DE" dirty="0"/>
-              <a:t>Wort einrichten</a:t>
+              <a:t>Benutzeroberfläche anzeigen</a:t>
             </a:r>
           </a:p>
           <a:p>
@@ -5392,7 +5347,7 @@
             </a:pPr>
             <a:r>
               <a:rPr lang="de-DE" dirty="0"/>
-              <a:t>Chat senden</a:t>
+              <a:t>Eingaben erfassen</a:t>
             </a:r>
           </a:p>
           <a:p>
@@ -5402,7 +5357,17 @@
             </a:pPr>
             <a:r>
               <a:rPr lang="de-DE" dirty="0"/>
-              <a:t>Spiel starten</a:t>
+              <a:t>Anfragen an Server senden</a:t>
+            </a:r>
+          </a:p>
+          <a:p>
+            <a:pPr lvl="1">
+              <a:buFont typeface="Symbol" pitchFamily="2" charset="2"/>
+              <a:buChar char="-"/>
+            </a:pPr>
+            <a:r>
+              <a:rPr lang="de-DE" dirty="0"/>
+              <a:t>Serverzustand darstellen</a:t>
             </a:r>
           </a:p>
           <a:p>
@@ -5412,7 +5377,7 @@
             </a:pPr>
             <a:r>
               <a:rPr lang="de-DE" dirty="0"/>
-              <a:t>Server -&gt; Client:</a:t>
+              <a:t>Wichtig:</a:t>
             </a:r>
           </a:p>
           <a:p>
@@ -5422,40 +5387,15 @@
             </a:pPr>
             <a:r>
               <a:rPr lang="de-DE" dirty="0"/>
-              <a:t>Spielzustand synchronisieren</a:t>
-            </a:r>
-          </a:p>
-          <a:p>
-            <a:pPr lvl="1">
-              <a:buFont typeface="Symbol" pitchFamily="2" charset="2"/>
-              <a:buChar char="-"/>
-            </a:pPr>
-            <a:r>
-              <a:rPr lang="de-DE" dirty="0"/>
-              <a:t>Turn ansagen</a:t>
-            </a:r>
-          </a:p>
-          <a:p>
-            <a:pPr lvl="1">
-              <a:buFont typeface="Symbol" pitchFamily="2" charset="2"/>
-              <a:buChar char="-"/>
-            </a:pPr>
-            <a:r>
-              <a:rPr lang="de-DE" dirty="0"/>
-              <a:t>Ergebnisse </a:t>
-            </a:r>
-            <a:r>
-              <a:rPr lang="de-DE" dirty="0" err="1"/>
-              <a:t>broad</a:t>
-            </a:r>
-            <a:endParaRPr lang="de-DE" dirty="0"/>
+              <a:t>Client trifft keine Spielentscheidungen</a:t>
+            </a:r>
           </a:p>
         </p:txBody>
       </p:sp>
     </p:spTree>
     <p:extLst>
       <p:ext uri="{BB962C8B-B14F-4D97-AF65-F5344CB8AC3E}">
-        <p14:creationId xmlns:p14="http://schemas.microsoft.com/office/powerpoint/2010/main" val="3590192550"/>
+        <p14:creationId xmlns:p14="http://schemas.microsoft.com/office/powerpoint/2010/main" val="133744746"/>
       </p:ext>
     </p:extLst>
   </p:cSld>
@@ -5487,7 +5427,7 @@
           <p:cNvPr id="2" name="Titel 1">
             <a:extLst>
               <a:ext uri="{FF2B5EF4-FFF2-40B4-BE49-F238E27FC236}">
-                <a16:creationId xmlns:a16="http://schemas.microsoft.com/office/drawing/2014/main" id="{B9E1A288-FDA8-4662-345F-BF4B1D7B3851}"/>
+                <a16:creationId xmlns:a16="http://schemas.microsoft.com/office/drawing/2014/main" id="{F509CA0E-8B9D-2F92-B1B0-9FA1FA6BF02A}"/>
               </a:ext>
             </a:extLst>
           </p:cNvPr>
@@ -5505,7 +5445,7 @@
           <a:p>
             <a:r>
               <a:rPr lang="de-DE" dirty="0"/>
-              <a:t>Spiellogik</a:t>
+              <a:t>Netzwerk &amp; RPCs</a:t>
             </a:r>
           </a:p>
         </p:txBody>
@@ -5515,7 +5455,7 @@
           <p:cNvPr id="3" name="Inhaltsplatzhalter 2">
             <a:extLst>
               <a:ext uri="{FF2B5EF4-FFF2-40B4-BE49-F238E27FC236}">
-                <a16:creationId xmlns:a16="http://schemas.microsoft.com/office/drawing/2014/main" id="{5DFA1542-598D-4141-E519-ACFE1054E0E0}"/>
+                <a16:creationId xmlns:a16="http://schemas.microsoft.com/office/drawing/2014/main" id="{EFBDE3A9-C0BA-8CDF-9031-51E2FE6338A8}"/>
               </a:ext>
             </a:extLst>
           </p:cNvPr>
@@ -5531,32 +5471,97 @@
           <a:bodyPr/>
           <a:lstStyle/>
           <a:p>
-            <a:r>
-              <a:rPr lang="de-DE" dirty="0"/>
-              <a:t>Wörter schreiben mit der gegebenen Silbe</a:t>
-            </a:r>
-          </a:p>
-          <a:p>
+            <a:pPr marL="0" indent="0">
+              <a:buNone/>
+            </a:pPr>
+            <a:r>
+              <a:rPr lang="de-DE" dirty="0"/>
+              <a:t>Kommunikation über RPCs:</a:t>
+            </a:r>
+          </a:p>
+          <a:p>
+            <a:pPr>
+              <a:buFont typeface="Courier New" panose="02070309020205020404" pitchFamily="49" charset="0"/>
+              <a:buChar char="o"/>
+            </a:pPr>
+            <a:r>
+              <a:rPr lang="de-DE" dirty="0"/>
+              <a:t>Client -&gt; Server:</a:t>
+            </a:r>
+          </a:p>
+          <a:p>
+            <a:pPr lvl="1">
+              <a:buFont typeface="Symbol" pitchFamily="2" charset="2"/>
+              <a:buChar char="-"/>
+            </a:pPr>
+            <a:r>
+              <a:rPr lang="de-DE" dirty="0"/>
+              <a:t>Wort einrichten</a:t>
+            </a:r>
+          </a:p>
+          <a:p>
+            <a:pPr lvl="1">
+              <a:buFont typeface="Symbol" pitchFamily="2" charset="2"/>
+              <a:buChar char="-"/>
+            </a:pPr>
+            <a:r>
+              <a:rPr lang="de-DE" dirty="0"/>
+              <a:t>Chat senden</a:t>
+            </a:r>
+          </a:p>
+          <a:p>
+            <a:pPr lvl="1">
+              <a:buFont typeface="Symbol" pitchFamily="2" charset="2"/>
+              <a:buChar char="-"/>
+            </a:pPr>
+            <a:r>
+              <a:rPr lang="de-DE" dirty="0"/>
+              <a:t>Spiel starten</a:t>
+            </a:r>
+          </a:p>
+          <a:p>
+            <a:pPr>
+              <a:buFont typeface="Courier New" panose="02070309020205020404" pitchFamily="49" charset="0"/>
+              <a:buChar char="o"/>
+            </a:pPr>
+            <a:r>
+              <a:rPr lang="de-DE" dirty="0"/>
+              <a:t>Server -&gt; Client:</a:t>
+            </a:r>
+          </a:p>
+          <a:p>
+            <a:pPr lvl="1">
+              <a:buFont typeface="Symbol" pitchFamily="2" charset="2"/>
+              <a:buChar char="-"/>
+            </a:pPr>
+            <a:r>
+              <a:rPr lang="de-DE" dirty="0"/>
+              <a:t>Spielzustand synchronisieren</a:t>
+            </a:r>
+          </a:p>
+          <a:p>
+            <a:pPr lvl="1">
+              <a:buFont typeface="Symbol" pitchFamily="2" charset="2"/>
+              <a:buChar char="-"/>
+            </a:pPr>
+            <a:r>
+              <a:rPr lang="de-DE" dirty="0"/>
+              <a:t>Turn ansagen</a:t>
+            </a:r>
+          </a:p>
+          <a:p>
+            <a:pPr lvl="1">
+              <a:buFont typeface="Symbol" pitchFamily="2" charset="2"/>
+              <a:buChar char="-"/>
+            </a:pPr>
+            <a:r>
+              <a:rPr lang="de-DE" dirty="0"/>
+              <a:t>Ergebnisse </a:t>
+            </a:r>
             <a:r>
               <a:rPr lang="de-DE" dirty="0" err="1"/>
-              <a:t>Turned-based</a:t>
-            </a:r>
-            <a:endParaRPr lang="de-DE" dirty="0"/>
-          </a:p>
-          <a:p>
-            <a:r>
-              <a:rPr lang="de-DE" dirty="0" err="1"/>
-              <a:t>Timer</a:t>
-            </a:r>
-            <a:endParaRPr lang="de-DE" dirty="0"/>
-          </a:p>
-          <a:p>
-            <a:r>
-              <a:rPr lang="de-DE" dirty="0"/>
-              <a:t>Gewinner wird durch Punktzahl festgestellt</a:t>
-            </a:r>
-          </a:p>
-          <a:p>
+              <a:t>broad</a:t>
+            </a:r>
             <a:endParaRPr lang="de-DE" dirty="0"/>
           </a:p>
         </p:txBody>
@@ -5564,7 +5569,7 @@
     </p:spTree>
     <p:extLst>
       <p:ext uri="{BB962C8B-B14F-4D97-AF65-F5344CB8AC3E}">
-        <p14:creationId xmlns:p14="http://schemas.microsoft.com/office/powerpoint/2010/main" val="2981057978"/>
+        <p14:creationId xmlns:p14="http://schemas.microsoft.com/office/powerpoint/2010/main" val="3590192550"/>
       </p:ext>
     </p:extLst>
   </p:cSld>
